--- a/Fase 1/Evidencias Grupales/Presentacion idea de proyecto.pptx
+++ b/Fase 1/Evidencias Grupales/Presentacion idea de proyecto.pptx
@@ -273,7 +273,7 @@
       </p15:sldGuideLst>
     </p:ext>
     <p:ext uri="GoogleSlidesCustomDataVersion2">
-      <go:slidesCustomData xmlns:go="http://customooxmlschemas.google.com/" r:id="rId19" roundtripDataSignature="AMtx7mhUl6lU4gKjEexGHGfZWmWOLL0uzg=="/>
+      <go:slidesCustomData xmlns:go="http://customooxmlschemas.google.com/" r:id="rId19" roundtripDataSignature="AMtx7mj72fiqI2yHVj49rto1bB62kALTbw=="/>
     </p:ext>
   </p:extLst>
 </p:presentation>
@@ -13114,16 +13114,24 @@
           </a:p>
         </p:txBody>
       </p:sp>
-      <p:sp>
-        <p:nvSpPr>
+      <p:pic>
+        <p:nvPicPr>
           <p:cNvPr id="118" name="Google Shape;118;g2f7f7627157_0_9"/>
-          <p:cNvSpPr txBox="1"/>
+          <p:cNvPicPr preferRelativeResize="0"/>
           <p:nvPr/>
-        </p:nvSpPr>
+        </p:nvPicPr>
+        <p:blipFill>
+          <a:blip r:embed="rId4">
+            <a:alphaModFix/>
+          </a:blip>
+          <a:stretch>
+            <a:fillRect/>
+          </a:stretch>
+        </p:blipFill>
         <p:spPr>
           <a:xfrm>
-            <a:off x="461400" y="1017800"/>
-            <a:ext cx="8370900" cy="3439500"/>
+            <a:off x="274925" y="1017800"/>
+            <a:ext cx="8594150" cy="3911926"/>
           </a:xfrm>
           <a:prstGeom prst="rect">
             <a:avLst/>
@@ -13133,77 +13141,7 @@
             <a:noFill/>
           </a:ln>
         </p:spPr>
-        <p:txBody>
-          <a:bodyPr anchorCtr="0" anchor="t" bIns="91425" lIns="91425" spcFirstLastPara="1" rIns="91425" wrap="square" tIns="91425">
-            <a:noAutofit/>
-          </a:bodyPr>
-          <a:lstStyle/>
-          <a:p>
-            <a:pPr indent="0" lvl="0" marL="0" rtl="0" algn="l">
-              <a:spcBef>
-                <a:spcPts val="0"/>
-              </a:spcBef>
-              <a:spcAft>
-                <a:spcPts val="0"/>
-              </a:spcAft>
-              <a:buNone/>
-            </a:pPr>
-            <a:r>
-              <a:rPr lang="es">
-                <a:solidFill>
-                  <a:schemeClr val="dk2"/>
-                </a:solidFill>
-                <a:latin typeface="Roboto"/>
-                <a:ea typeface="Roboto"/>
-                <a:cs typeface="Roboto"/>
-                <a:sym typeface="Roboto"/>
-              </a:rPr>
-              <a:t>El proyecto busca desarrollar una aplicación móvil para talleres mecánicos con el objetivo de optimizar los procesos de mantenimiento y reparación y mejorar la comunicación con los clientes. La aplicación incluirá módulos para gestionar órdenes de trabajo, planificar mantenimientos preventivos. También ofrecerá acceso al historial de reparaciones y enviará notificaciones sobre el estado de los vehículos, además de facilitar la comunicación directa con los clientes. Limitado a plataformas móviles (iOS y Android), el proyecto excluye la gestión de empleados y sistemas de contabilidad. </a:t>
-            </a:r>
-            <a:endParaRPr>
-              <a:solidFill>
-                <a:schemeClr val="dk2"/>
-              </a:solidFill>
-              <a:latin typeface="Roboto"/>
-              <a:ea typeface="Roboto"/>
-              <a:cs typeface="Roboto"/>
-              <a:sym typeface="Roboto"/>
-            </a:endParaRPr>
-          </a:p>
-          <a:p>
-            <a:pPr indent="0" lvl="0" marL="0" rtl="0" algn="l">
-              <a:spcBef>
-                <a:spcPts val="0"/>
-              </a:spcBef>
-              <a:spcAft>
-                <a:spcPts val="0"/>
-              </a:spcAft>
-              <a:buNone/>
-            </a:pPr>
-            <a:r>
-              <a:rPr lang="es">
-                <a:solidFill>
-                  <a:schemeClr val="dk2"/>
-                </a:solidFill>
-                <a:latin typeface="Roboto"/>
-                <a:ea typeface="Roboto"/>
-                <a:cs typeface="Roboto"/>
-                <a:sym typeface="Roboto"/>
-              </a:rPr>
-              <a:t>El éxito se medirá por la implementación efectiva de estas funcionalidades y la mejora en la eficiencia operativa del taller, con un cronograma definido para su desarrollo y lanzamiento.</a:t>
-            </a:r>
-            <a:endParaRPr>
-              <a:solidFill>
-                <a:schemeClr val="dk2"/>
-              </a:solidFill>
-              <a:latin typeface="Roboto"/>
-              <a:ea typeface="Roboto"/>
-              <a:cs typeface="Roboto"/>
-              <a:sym typeface="Roboto"/>
-            </a:endParaRPr>
-          </a:p>
-        </p:txBody>
-      </p:sp>
+      </p:pic>
     </p:spTree>
   </p:cSld>
   <p:clrMapOvr>
@@ -13410,43 +13348,6 @@
                 <a:sym typeface="Roboto"/>
               </a:rPr>
               <a:t> web administrativa para el taller.</a:t>
-            </a:r>
-            <a:endParaRPr sz="1800">
-              <a:solidFill>
-                <a:schemeClr val="dk2"/>
-              </a:solidFill>
-              <a:latin typeface="Roboto"/>
-              <a:ea typeface="Roboto"/>
-              <a:cs typeface="Roboto"/>
-              <a:sym typeface="Roboto"/>
-            </a:endParaRPr>
-          </a:p>
-          <a:p>
-            <a:pPr indent="-342900" lvl="0" marL="457200" rtl="0" algn="l">
-              <a:spcBef>
-                <a:spcPts val="0"/>
-              </a:spcBef>
-              <a:spcAft>
-                <a:spcPts val="0"/>
-              </a:spcAft>
-              <a:buClr>
-                <a:schemeClr val="dk2"/>
-              </a:buClr>
-              <a:buSzPts val="1800"/>
-              <a:buFont typeface="Roboto"/>
-              <a:buChar char="●"/>
-            </a:pPr>
-            <a:r>
-              <a:rPr lang="es" sz="1800">
-                <a:solidFill>
-                  <a:schemeClr val="dk2"/>
-                </a:solidFill>
-                <a:latin typeface="Roboto"/>
-                <a:ea typeface="Roboto"/>
-                <a:cs typeface="Roboto"/>
-                <a:sym typeface="Roboto"/>
-              </a:rPr>
-              <a:t>Servicio de Base de Datos.</a:t>
             </a:r>
             <a:endParaRPr sz="1800">
               <a:solidFill>
